--- a/JavaScript/Slide/Chapter 9_How to work with Arrays and Web Storage.pptx
+++ b/JavaScript/Slide/Chapter 9_How to work with Arrays and Web Storage.pptx
@@ -249,6 +249,311 @@
 </p:presentation>
 </file>
 
+<file path=ppt/commentAuthors.xml><?xml version="1.0" encoding="utf-8"?>
+<p:cmAuthorLst xmlns:a="http://schemas.openxmlformats.org/drawingml/2006/main" xmlns:r="http://schemas.openxmlformats.org/officeDocument/2006/relationships" xmlns:p="http://schemas.openxmlformats.org/presentationml/2006/main">
+  <p:cmAuthor id="1" name="Pdviet5073" initials="P" lastIdx="26" clrIdx="0">
+    <p:extLst>
+      <p:ext uri="{19B8F6BF-5375-455C-9EA6-DF929625EA0E}">
+        <p15:presenceInfo xmlns:p15="http://schemas.microsoft.com/office/powerpoint/2012/main" userId="Pdviet5073" providerId="None"/>
+      </p:ext>
+    </p:extLst>
+  </p:cmAuthor>
+</p:cmAuthorLst>
+</file>
+
+<file path=ppt/comments/comment1.xml><?xml version="1.0" encoding="utf-8"?>
+<p:cmLst xmlns:a="http://schemas.openxmlformats.org/drawingml/2006/main" xmlns:r="http://schemas.openxmlformats.org/officeDocument/2006/relationships" xmlns:p="http://schemas.openxmlformats.org/presentationml/2006/main">
+  <p:cm authorId="1" dt="2020-06-19T19:15:34.026" idx="1">
+    <p:pos x="10" y="10"/>
+    <p:text>for in : duyệt lần lượt các phần tử trong array và bỏ qua các giá trị undefined</p:text>
+    <p:extLst>
+      <p:ext uri="{C676402C-5697-4E1C-873F-D02D1690AC5C}">
+        <p15:threadingInfo xmlns:p15="http://schemas.microsoft.com/office/powerpoint/2012/main" timeZoneBias="-420"/>
+      </p:ext>
+    </p:extLst>
+  </p:cm>
+</p:cmLst>
+</file>
+
+<file path=ppt/comments/comment2.xml><?xml version="1.0" encoding="utf-8"?>
+<p:cmLst xmlns:a="http://schemas.openxmlformats.org/drawingml/2006/main" xmlns:r="http://schemas.openxmlformats.org/officeDocument/2006/relationships" xmlns:p="http://schemas.openxmlformats.org/presentationml/2006/main">
+  <p:cm authorId="1" dt="2020-06-19T20:20:41.457" idx="11">
+    <p:pos x="10" y="10"/>
+    <p:text/>
+    <p:extLst>
+      <p:ext uri="{C676402C-5697-4E1C-873F-D02D1690AC5C}">
+        <p15:threadingInfo xmlns:p15="http://schemas.microsoft.com/office/powerpoint/2012/main" timeZoneBias="-420"/>
+      </p:ext>
+    </p:extLst>
+  </p:cm>
+  <p:cm authorId="1" dt="2020-06-19T20:20:42.129" idx="12">
+    <p:pos x="106" y="106"/>
+    <p:text/>
+    <p:extLst>
+      <p:ext uri="{C676402C-5697-4E1C-873F-D02D1690AC5C}">
+        <p15:threadingInfo xmlns:p15="http://schemas.microsoft.com/office/powerpoint/2012/main" timeZoneBias="-420"/>
+      </p:ext>
+    </p:extLst>
+  </p:cm>
+</p:cmLst>
+</file>
+
+<file path=ppt/comments/comment3.xml><?xml version="1.0" encoding="utf-8"?>
+<p:cmLst xmlns:a="http://schemas.openxmlformats.org/drawingml/2006/main" xmlns:r="http://schemas.openxmlformats.org/officeDocument/2006/relationships" xmlns:p="http://schemas.openxmlformats.org/presentationml/2006/main">
+  <p:cm authorId="1" dt="2020-06-19T20:01:31.523" idx="2">
+    <p:pos x="10" y="10"/>
+    <p:text>push: thêm phần tử vào cuối arr</p:text>
+    <p:extLst>
+      <p:ext uri="{C676402C-5697-4E1C-873F-D02D1690AC5C}">
+        <p15:threadingInfo xmlns:p15="http://schemas.microsoft.com/office/powerpoint/2012/main" timeZoneBias="-420"/>
+      </p:ext>
+    </p:extLst>
+  </p:cm>
+  <p:cm authorId="1" dt="2020-06-19T20:02:04.408" idx="3">
+    <p:pos x="10" y="106"/>
+    <p:text>pop: xoá phần tử cuối arr</p:text>
+    <p:extLst>
+      <p:ext uri="{C676402C-5697-4E1C-873F-D02D1690AC5C}">
+        <p15:threadingInfo xmlns:p15="http://schemas.microsoft.com/office/powerpoint/2012/main" timeZoneBias="-420">
+          <p15:parentCm authorId="1" idx="2"/>
+        </p15:threadingInfo>
+      </p:ext>
+    </p:extLst>
+  </p:cm>
+  <p:cm authorId="1" dt="2020-06-19T20:02:19.750" idx="4">
+    <p:pos x="10" y="202"/>
+    <p:text>unshift : add vào đầu arr</p:text>
+    <p:extLst>
+      <p:ext uri="{C676402C-5697-4E1C-873F-D02D1690AC5C}">
+        <p15:threadingInfo xmlns:p15="http://schemas.microsoft.com/office/powerpoint/2012/main" timeZoneBias="-420">
+          <p15:parentCm authorId="1" idx="2"/>
+        </p15:threadingInfo>
+      </p:ext>
+    </p:extLst>
+  </p:cm>
+  <p:cm authorId="1" dt="2020-06-19T20:03:12.679" idx="5">
+    <p:pos x="10" y="298"/>
+    <p:text>shift: xoá phần tử đầu</p:text>
+    <p:extLst>
+      <p:ext uri="{C676402C-5697-4E1C-873F-D02D1690AC5C}">
+        <p15:threadingInfo xmlns:p15="http://schemas.microsoft.com/office/powerpoint/2012/main" timeZoneBias="-420">
+          <p15:parentCm authorId="1" idx="2"/>
+        </p15:threadingInfo>
+      </p:ext>
+    </p:extLst>
+  </p:cm>
+  <p:cm authorId="1" dt="2020-06-19T20:05:20.557" idx="6">
+    <p:pos x="10" y="394"/>
+    <p:text>splice: trả về arr mới chứa các phần tử bị xoá đi, bắt đầu= start, số lượng = number,</p:text>
+    <p:extLst>
+      <p:ext uri="{C676402C-5697-4E1C-873F-D02D1690AC5C}">
+        <p15:threadingInfo xmlns:p15="http://schemas.microsoft.com/office/powerpoint/2012/main" timeZoneBias="-420">
+          <p15:parentCm authorId="1" idx="2"/>
+        </p15:threadingInfo>
+      </p:ext>
+    </p:extLst>
+  </p:cm>
+  <p:cm authorId="1" dt="2020-06-19T20:06:29.871" idx="7">
+    <p:pos x="10" y="490"/>
+    <p:text>reverse: đảo ngược các giá trị trong arr</p:text>
+    <p:extLst>
+      <p:ext uri="{C676402C-5697-4E1C-873F-D02D1690AC5C}">
+        <p15:threadingInfo xmlns:p15="http://schemas.microsoft.com/office/powerpoint/2012/main" timeZoneBias="-420">
+          <p15:parentCm authorId="1" idx="2"/>
+        </p15:threadingInfo>
+      </p:ext>
+    </p:extLst>
+  </p:cm>
+  <p:cm authorId="1" dt="2020-06-19T20:09:07.847" idx="8">
+    <p:pos x="10" y="586"/>
+    <p:text>splice có 3 thuộc tính:  trả về arr mới chứa các phần tử bị xoá đi, arr cũ được thay thế các giá trị đã xoá bằng các kí tự = element_list</p:text>
+    <p:extLst>
+      <p:ext uri="{C676402C-5697-4E1C-873F-D02D1690AC5C}">
+        <p15:threadingInfo xmlns:p15="http://schemas.microsoft.com/office/powerpoint/2012/main" timeZoneBias="-420">
+          <p15:parentCm authorId="1" idx="2"/>
+        </p15:threadingInfo>
+      </p:ext>
+    </p:extLst>
+  </p:cm>
+</p:cmLst>
+</file>
+
+<file path=ppt/comments/comment4.xml><?xml version="1.0" encoding="utf-8"?>
+<p:cmLst xmlns:a="http://schemas.openxmlformats.org/drawingml/2006/main" xmlns:r="http://schemas.openxmlformats.org/officeDocument/2006/relationships" xmlns:p="http://schemas.openxmlformats.org/presentationml/2006/main">
+  <p:cm authorId="1" dt="2020-06-19T20:12:51.819" idx="9">
+    <p:pos x="10" y="10"/>
+    <p:text>slice: trả về arr mới có có vị trí bắt đầu =start, số lượng trả về = number</p:text>
+    <p:extLst>
+      <p:ext uri="{C676402C-5697-4E1C-873F-D02D1690AC5C}">
+        <p15:threadingInfo xmlns:p15="http://schemas.microsoft.com/office/powerpoint/2012/main" timeZoneBias="-420"/>
+      </p:ext>
+    </p:extLst>
+  </p:cm>
+  <p:cm authorId="1" dt="2020-06-19T20:18:19.193" idx="10">
+    <p:pos x="10" y="106"/>
+    <p:text>concat: nối các arr lại với nhau</p:text>
+    <p:extLst>
+      <p:ext uri="{C676402C-5697-4E1C-873F-D02D1690AC5C}">
+        <p15:threadingInfo xmlns:p15="http://schemas.microsoft.com/office/powerpoint/2012/main" timeZoneBias="-420">
+          <p15:parentCm authorId="1" idx="9"/>
+        </p15:threadingInfo>
+      </p:ext>
+    </p:extLst>
+  </p:cm>
+  <p:cm authorId="1" dt="2020-06-19T20:21:39.775" idx="14">
+    <p:pos x="10" y="202"/>
+    <p:text>join: nối các phần tử trong arr, mỗi phần tử cách nhau bởi kí tự "-"</p:text>
+    <p:extLst>
+      <p:ext uri="{C676402C-5697-4E1C-873F-D02D1690AC5C}">
+        <p15:threadingInfo xmlns:p15="http://schemas.microsoft.com/office/powerpoint/2012/main" timeZoneBias="-420">
+          <p15:parentCm authorId="1" idx="9"/>
+        </p15:threadingInfo>
+      </p:ext>
+    </p:extLst>
+  </p:cm>
+</p:cmLst>
+</file>
+
+<file path=ppt/comments/comment5.xml><?xml version="1.0" encoding="utf-8"?>
+<p:cmLst xmlns:a="http://schemas.openxmlformats.org/drawingml/2006/main" xmlns:r="http://schemas.openxmlformats.org/officeDocument/2006/relationships" xmlns:p="http://schemas.openxmlformats.org/presentationml/2006/main">
+  <p:cm authorId="1" dt="2020-06-19T20:28:29.353" idx="15">
+    <p:pos x="10" y="10"/>
+    <p:text>sort: sắp xếp theo thứ tự (mặc định) tăng dần (có function hoặc ko có function. function của hàm sort có 2 giá trị truyền vào</p:text>
+    <p:extLst>
+      <p:ext uri="{C676402C-5697-4E1C-873F-D02D1690AC5C}">
+        <p15:threadingInfo xmlns:p15="http://schemas.microsoft.com/office/powerpoint/2012/main" timeZoneBias="-420"/>
+      </p:ext>
+    </p:extLst>
+  </p:cm>
+  <p:cm authorId="1" dt="2020-06-19T20:32:39.522" idx="17">
+    <p:pos x="10" y="106"/>
+    <p:text>forEach(fn): duyệt mỗi phần tử trong mảng. cứ mỗi lần duyệt sẽ thực hiện fn</p:text>
+    <p:extLst>
+      <p:ext uri="{C676402C-5697-4E1C-873F-D02D1690AC5C}">
+        <p15:threadingInfo xmlns:p15="http://schemas.microsoft.com/office/powerpoint/2012/main" timeZoneBias="-420">
+          <p15:parentCm authorId="1" idx="15"/>
+        </p15:threadingInfo>
+      </p:ext>
+    </p:extLst>
+  </p:cm>
+  <p:cm authorId="1" dt="2020-06-19T20:33:57.865" idx="18">
+    <p:pos x="10" y="202"/>
+    <p:text>every(fn):check  toàn bộ các phần tử trong arr thoả mãn điều kiện. giá trị trả về là true hoặc false. mặc định là false. toàn bộ đúng trả về true</p:text>
+    <p:extLst>
+      <p:ext uri="{C676402C-5697-4E1C-873F-D02D1690AC5C}">
+        <p15:threadingInfo xmlns:p15="http://schemas.microsoft.com/office/powerpoint/2012/main" timeZoneBias="-420">
+          <p15:parentCm authorId="1" idx="15"/>
+        </p15:threadingInfo>
+      </p:ext>
+    </p:extLst>
+  </p:cm>
+  <p:cm authorId="1" dt="2020-06-19T20:36:05.632" idx="19">
+    <p:pos x="10" y="298"/>
+    <p:text>some: ngược lại của every. chỉ cần 1 phần tử thoả mãn thì trả về true, toàn bộ thoả mãn thì trả về false</p:text>
+    <p:extLst>
+      <p:ext uri="{C676402C-5697-4E1C-873F-D02D1690AC5C}">
+        <p15:threadingInfo xmlns:p15="http://schemas.microsoft.com/office/powerpoint/2012/main" timeZoneBias="-420">
+          <p15:parentCm authorId="1" idx="15"/>
+        </p15:threadingInfo>
+      </p:ext>
+    </p:extLst>
+  </p:cm>
+  <p:cm authorId="1" dt="2020-06-19T20:46:55.739" idx="20">
+    <p:pos x="10" y="394"/>
+    <p:text>map: duyệt lần lượt các phần tử trong arr. tương ứng mỗi phần tử đó sẽ xử lý 1 tác vụ nào đó và trả về 1 arr mới hay 1 kết quả mới</p:text>
+    <p:extLst>
+      <p:ext uri="{C676402C-5697-4E1C-873F-D02D1690AC5C}">
+        <p15:threadingInfo xmlns:p15="http://schemas.microsoft.com/office/powerpoint/2012/main" timeZoneBias="-420">
+          <p15:parentCm authorId="1" idx="15"/>
+        </p15:threadingInfo>
+      </p:ext>
+    </p:extLst>
+  </p:cm>
+  <p:cm authorId="1" dt="2020-06-19T20:48:58.623" idx="21">
+    <p:pos x="10" y="490"/>
+    <p:text>filter: giống map nhưng tuỳ vào điều kiện khác nhau sẽ có các cách sử lý khác nhau</p:text>
+    <p:extLst>
+      <p:ext uri="{C676402C-5697-4E1C-873F-D02D1690AC5C}">
+        <p15:threadingInfo xmlns:p15="http://schemas.microsoft.com/office/powerpoint/2012/main" timeZoneBias="-420">
+          <p15:parentCm authorId="1" idx="15"/>
+        </p15:threadingInfo>
+      </p:ext>
+    </p:extLst>
+  </p:cm>
+</p:cmLst>
+</file>
+
+<file path=ppt/comments/comment6.xml><?xml version="1.0" encoding="utf-8"?>
+<p:cmLst xmlns:a="http://schemas.openxmlformats.org/drawingml/2006/main" xmlns:r="http://schemas.openxmlformats.org/officeDocument/2006/relationships" xmlns:p="http://schemas.openxmlformats.org/presentationml/2006/main">
+  <p:cm authorId="1" dt="2020-06-19T20:54:42.817" idx="22">
+    <p:pos x="10" y="10"/>
+    <p:text>reduce: khởi tạo kết quả trả về mặc định cho function</p:text>
+    <p:extLst>
+      <p:ext uri="{C676402C-5697-4E1C-873F-D02D1690AC5C}">
+        <p15:threadingInfo xmlns:p15="http://schemas.microsoft.com/office/powerpoint/2012/main" timeZoneBias="-420"/>
+      </p:ext>
+    </p:extLst>
+  </p:cm>
+</p:cmLst>
+</file>
+
+<file path=ppt/comments/comment7.xml><?xml version="1.0" encoding="utf-8"?>
+<p:cmLst xmlns:a="http://schemas.openxmlformats.org/drawingml/2006/main" xmlns:r="http://schemas.openxmlformats.org/officeDocument/2006/relationships" xmlns:p="http://schemas.openxmlformats.org/presentationml/2006/main">
+  <p:cm authorId="1" dt="2020-06-19T21:02:00.484" idx="23">
+    <p:pos x="10" y="10"/>
+    <p:text>trả về 1 arr gồm lần lượt các phần tử đc cắt ra</p:text>
+    <p:extLst>
+      <p:ext uri="{C676402C-5697-4E1C-873F-D02D1690AC5C}">
+        <p15:threadingInfo xmlns:p15="http://schemas.microsoft.com/office/powerpoint/2012/main" timeZoneBias="-420"/>
+      </p:ext>
+    </p:extLst>
+  </p:cm>
+</p:cmLst>
+</file>
+
+<file path=ppt/comments/comment8.xml><?xml version="1.0" encoding="utf-8"?>
+<p:cmLst xmlns:a="http://schemas.openxmlformats.org/drawingml/2006/main" xmlns:r="http://schemas.openxmlformats.org/officeDocument/2006/relationships" xmlns:p="http://schemas.openxmlformats.org/presentationml/2006/main">
+  <p:cm authorId="1" dt="2020-06-22T18:32:48.356" idx="24">
+    <p:pos x="10" y="10"/>
+    <p:text>thời gian lưu : 
+cookies: do người dùng đặt
+local storage: mãi mãi cho đến khi người dùng xoá
+session storafe: khi người dùng tắt trình duyệt</p:text>
+    <p:extLst>
+      <p:ext uri="{C676402C-5697-4E1C-873F-D02D1690AC5C}">
+        <p15:threadingInfo xmlns:p15="http://schemas.microsoft.com/office/powerpoint/2012/main" timeZoneBias="-420"/>
+      </p:ext>
+    </p:extLst>
+  </p:cm>
+</p:cmLst>
+</file>
+
+<file path=ppt/comments/comment9.xml><?xml version="1.0" encoding="utf-8"?>
+<p:cmLst xmlns:a="http://schemas.openxmlformats.org/drawingml/2006/main" xmlns:r="http://schemas.openxmlformats.org/officeDocument/2006/relationships" xmlns:p="http://schemas.openxmlformats.org/presentationml/2006/main">
+  <p:cm authorId="1" dt="2020-06-22T18:34:25.364" idx="25">
+    <p:pos x="10" y="10"/>
+    <p:text>ngắn gọn hơn:</p:text>
+    <p:extLst>
+      <p:ext uri="{C676402C-5697-4E1C-873F-D02D1690AC5C}">
+        <p15:threadingInfo xmlns:p15="http://schemas.microsoft.com/office/powerpoint/2012/main" timeZoneBias="-420"/>
+      </p:ext>
+    </p:extLst>
+  </p:cm>
+  <p:cm authorId="1" dt="2020-06-22T18:35:51.131" idx="26">
+    <p:pos x="10" y="106"/>
+    <p:text>set:     localStorage."key" = value;
+get:     sessionStorage."key"</p:text>
+    <p:extLst>
+      <p:ext uri="{C676402C-5697-4E1C-873F-D02D1690AC5C}">
+        <p15:threadingInfo xmlns:p15="http://schemas.microsoft.com/office/powerpoint/2012/main" timeZoneBias="-420">
+          <p15:parentCm authorId="1" idx="25"/>
+        </p15:threadingInfo>
+      </p:ext>
+    </p:extLst>
+  </p:cm>
+</p:cmLst>
+</file>
+
 <file path=ppt/notesMasters/notesMaster1.xml><?xml version="1.0" encoding="utf-8"?>
 <p:notesMaster xmlns:a="http://schemas.openxmlformats.org/drawingml/2006/main" xmlns:r="http://schemas.openxmlformats.org/officeDocument/2006/relationships" xmlns:p="http://schemas.openxmlformats.org/presentationml/2006/main">
   <p:cSld>
@@ -332,7 +637,7 @@
             <a:fld id="{524DC8F9-1DCD-4754-A44C-6EBB62BDA97B}" type="datetimeFigureOut">
               <a:rPr lang="en-US" smtClean="0"/>
               <a:pPr/>
-              <a:t>6/19/2020</a:t>
+              <a:t>6/22/2020</a:t>
             </a:fld>
             <a:endParaRPr lang="en-US"/>
           </a:p>
@@ -5377,11 +5682,11 @@
           <a:p>
             <a:pPr algn="l"/>
             <a:r>
-              <a:rPr lang="en-US" sz="4000" b="1" smtClean="0"/>
+              <a:rPr lang="en-US" sz="4000" b="1" dirty="0" smtClean="0"/>
               <a:t>Chapter </a:t>
             </a:r>
             <a:r>
-              <a:rPr lang="en-US" b="1" smtClean="0"/>
+              <a:rPr lang="en-US" b="1" dirty="0" smtClean="0"/>
               <a:t>9 – S13</a:t>
             </a:r>
             <a:endParaRPr lang="en-US" sz="4000" b="1" dirty="0"/>
@@ -6595,7 +6900,7 @@
           <p:nvPr>
             <p:extLst>
               <p:ext uri="{D42A27DB-BD31-4B8C-83A1-F6EECF244321}">
-                <p14:modId xmlns:p14="http://schemas.microsoft.com/office/powerpoint/2010/main" val="2863408092"/>
+                <p14:modId xmlns:p14="http://schemas.microsoft.com/office/powerpoint/2010/main" val="4113711781"/>
               </p:ext>
             </p:extLst>
           </p:nvPr>
@@ -6691,27 +6996,7 @@
                           <a:latin typeface="Courier New" panose="02070309020205020404" pitchFamily="49" charset="0"/>
                           <a:cs typeface="Courier New" panose="02070309020205020404" pitchFamily="49" charset="0"/>
                         </a:rPr>
-                        <a:t>slice(</a:t>
-                      </a:r>
-                      <a:r>
-                        <a:rPr lang="en-US" sz="1800" dirty="0" err="1" smtClean="0">
-                          <a:solidFill>
-                            <a:schemeClr val="tx1"/>
-                          </a:solidFill>
-                          <a:latin typeface="Courier New" panose="02070309020205020404" pitchFamily="49" charset="0"/>
-                          <a:cs typeface="Courier New" panose="02070309020205020404" pitchFamily="49" charset="0"/>
-                        </a:rPr>
-                        <a:t>start,number</a:t>
-                      </a:r>
-                      <a:r>
-                        <a:rPr lang="en-US" sz="1800" dirty="0" smtClean="0">
-                          <a:solidFill>
-                            <a:schemeClr val="tx1"/>
-                          </a:solidFill>
-                          <a:latin typeface="Courier New" panose="02070309020205020404" pitchFamily="49" charset="0"/>
-                          <a:cs typeface="Courier New" panose="02070309020205020404" pitchFamily="49" charset="0"/>
-                        </a:rPr>
-                        <a:t>)</a:t>
+                        <a:t>slice(start,end)</a:t>
                       </a:r>
                       <a:endParaRPr lang="en-US" sz="1800" dirty="0">
                         <a:solidFill>
